--- a/teaching/expdes/lectures/week3.pptx
+++ b/teaching/expdes/lectures/week3.pptx
@@ -5,7 +5,7 @@
     <p:sldMasterId id="2147483648" r:id="rId1"/>
   </p:sldMasterIdLst>
   <p:notesMasterIdLst>
-    <p:notesMasterId r:id="rId28"/>
+    <p:notesMasterId r:id="rId30"/>
   </p:notesMasterIdLst>
   <p:sldIdLst>
     <p:sldId id="256" r:id="rId2"/>
@@ -31,9 +31,11 @@
     <p:sldId id="287" r:id="rId22"/>
     <p:sldId id="299" r:id="rId23"/>
     <p:sldId id="288" r:id="rId24"/>
-    <p:sldId id="290" r:id="rId25"/>
-    <p:sldId id="291" r:id="rId26"/>
-    <p:sldId id="303" r:id="rId27"/>
+    <p:sldId id="304" r:id="rId25"/>
+    <p:sldId id="305" r:id="rId26"/>
+    <p:sldId id="290" r:id="rId27"/>
+    <p:sldId id="291" r:id="rId28"/>
+    <p:sldId id="303" r:id="rId29"/>
   </p:sldIdLst>
   <p:sldSz cx="12192000" cy="6858000"/>
   <p:notesSz cx="6858000" cy="9144000"/>
@@ -222,7 +224,7 @@
           <a:p>
             <a:fld id="{4F19B4D1-0A28-FA4A-9134-5F79B138F3AC}" type="datetimeFigureOut">
               <a:rPr lang="en-US" smtClean="0"/>
-              <a:t>1/12/21</a:t>
+              <a:t>1/13/21</a:t>
             </a:fld>
             <a:endParaRPr lang="en-US"/>
           </a:p>
@@ -618,7 +620,7 @@
           <a:p>
             <a:fld id="{2B908699-CE29-634D-83B5-1061B2BD35A6}" type="datetimeFigureOut">
               <a:rPr lang="en-US" smtClean="0"/>
-              <a:t>1/12/21</a:t>
+              <a:t>1/13/21</a:t>
             </a:fld>
             <a:endParaRPr lang="en-US" dirty="0"/>
           </a:p>
@@ -786,7 +788,7 @@
           <a:p>
             <a:fld id="{2B908699-CE29-634D-83B5-1061B2BD35A6}" type="datetimeFigureOut">
               <a:rPr lang="en-US" smtClean="0"/>
-              <a:t>1/12/21</a:t>
+              <a:t>1/13/21</a:t>
             </a:fld>
             <a:endParaRPr lang="en-US" dirty="0"/>
           </a:p>
@@ -964,7 +966,7 @@
           <a:p>
             <a:fld id="{2B908699-CE29-634D-83B5-1061B2BD35A6}" type="datetimeFigureOut">
               <a:rPr lang="en-US" smtClean="0"/>
-              <a:t>1/12/21</a:t>
+              <a:t>1/13/21</a:t>
             </a:fld>
             <a:endParaRPr lang="en-US" dirty="0"/>
           </a:p>
@@ -1132,7 +1134,7 @@
           <a:p>
             <a:fld id="{2B908699-CE29-634D-83B5-1061B2BD35A6}" type="datetimeFigureOut">
               <a:rPr lang="en-US" smtClean="0"/>
-              <a:t>1/12/21</a:t>
+              <a:t>1/13/21</a:t>
             </a:fld>
             <a:endParaRPr lang="en-US" dirty="0"/>
           </a:p>
@@ -1377,7 +1379,7 @@
           <a:p>
             <a:fld id="{2B908699-CE29-634D-83B5-1061B2BD35A6}" type="datetimeFigureOut">
               <a:rPr lang="en-US" smtClean="0"/>
-              <a:t>1/12/21</a:t>
+              <a:t>1/13/21</a:t>
             </a:fld>
             <a:endParaRPr lang="en-US" dirty="0"/>
           </a:p>
@@ -1606,7 +1608,7 @@
           <a:p>
             <a:fld id="{2B908699-CE29-634D-83B5-1061B2BD35A6}" type="datetimeFigureOut">
               <a:rPr lang="en-US" smtClean="0"/>
-              <a:t>1/12/21</a:t>
+              <a:t>1/13/21</a:t>
             </a:fld>
             <a:endParaRPr lang="en-US" dirty="0"/>
           </a:p>
@@ -1970,7 +1972,7 @@
           <a:p>
             <a:fld id="{2B908699-CE29-634D-83B5-1061B2BD35A6}" type="datetimeFigureOut">
               <a:rPr lang="en-US" smtClean="0"/>
-              <a:t>1/12/21</a:t>
+              <a:t>1/13/21</a:t>
             </a:fld>
             <a:endParaRPr lang="en-US" dirty="0"/>
           </a:p>
@@ -2087,7 +2089,7 @@
           <a:p>
             <a:fld id="{2B908699-CE29-634D-83B5-1061B2BD35A6}" type="datetimeFigureOut">
               <a:rPr lang="en-US" smtClean="0"/>
-              <a:t>1/12/21</a:t>
+              <a:t>1/13/21</a:t>
             </a:fld>
             <a:endParaRPr lang="en-US" dirty="0"/>
           </a:p>
@@ -2182,7 +2184,7 @@
           <a:p>
             <a:fld id="{2B908699-CE29-634D-83B5-1061B2BD35A6}" type="datetimeFigureOut">
               <a:rPr lang="en-US" smtClean="0"/>
-              <a:t>1/12/21</a:t>
+              <a:t>1/13/21</a:t>
             </a:fld>
             <a:endParaRPr lang="en-US" dirty="0"/>
           </a:p>
@@ -2457,7 +2459,7 @@
           <a:p>
             <a:fld id="{2B908699-CE29-634D-83B5-1061B2BD35A6}" type="datetimeFigureOut">
               <a:rPr lang="en-US" smtClean="0"/>
-              <a:t>1/12/21</a:t>
+              <a:t>1/13/21</a:t>
             </a:fld>
             <a:endParaRPr lang="en-US" dirty="0"/>
           </a:p>
@@ -2709,7 +2711,7 @@
           <a:p>
             <a:fld id="{2B908699-CE29-634D-83B5-1061B2BD35A6}" type="datetimeFigureOut">
               <a:rPr lang="en-US" smtClean="0"/>
-              <a:t>1/12/21</a:t>
+              <a:t>1/13/21</a:t>
             </a:fld>
             <a:endParaRPr lang="en-US" dirty="0"/>
           </a:p>
@@ -2920,7 +2922,7 @@
           <a:p>
             <a:fld id="{2B908699-CE29-634D-83B5-1061B2BD35A6}" type="datetimeFigureOut">
               <a:rPr lang="en-US" smtClean="0"/>
-              <a:t>1/12/21</a:t>
+              <a:t>1/13/21</a:t>
             </a:fld>
             <a:endParaRPr lang="en-US" dirty="0"/>
           </a:p>
@@ -7834,6 +7836,802 @@
                   <a:schemeClr val="bg1"/>
                 </a:solidFill>
               </a:rPr>
+              <a:t>Confidence Interval vs Credible Interval</a:t>
+            </a:r>
+          </a:p>
+        </p:txBody>
+      </p:sp>
+      <p:pic>
+        <p:nvPicPr>
+          <p:cNvPr id="5" name="Picture 4">
+            <a:extLst>
+              <a:ext uri="{FF2B5EF4-FFF2-40B4-BE49-F238E27FC236}">
+                <a16:creationId xmlns:a16="http://schemas.microsoft.com/office/drawing/2014/main" id="{F74D31A1-EE70-B84D-8A12-E0C174BFC8E4}"/>
+              </a:ext>
+            </a:extLst>
+          </p:cNvPr>
+          <p:cNvPicPr>
+            <a:picLocks noChangeAspect="1"/>
+          </p:cNvPicPr>
+          <p:nvPr/>
+        </p:nvPicPr>
+        <p:blipFill>
+          <a:blip r:embed="rId2"/>
+          <a:stretch>
+            <a:fillRect/>
+          </a:stretch>
+        </p:blipFill>
+        <p:spPr>
+          <a:xfrm>
+            <a:off x="346037" y="1237485"/>
+            <a:ext cx="2730500" cy="901700"/>
+          </a:xfrm>
+          <a:prstGeom prst="rect">
+            <a:avLst/>
+          </a:prstGeom>
+        </p:spPr>
+      </p:pic>
+      <p:sp>
+        <p:nvSpPr>
+          <p:cNvPr id="7" name="TextBox 6">
+            <a:extLst>
+              <a:ext uri="{FF2B5EF4-FFF2-40B4-BE49-F238E27FC236}">
+                <a16:creationId xmlns:a16="http://schemas.microsoft.com/office/drawing/2014/main" id="{CA753BEF-532E-C643-B5C6-5D5601AA7817}"/>
+              </a:ext>
+            </a:extLst>
+          </p:cNvPr>
+          <p:cNvSpPr txBox="1"/>
+          <p:nvPr/>
+        </p:nvSpPr>
+        <p:spPr>
+          <a:xfrm>
+            <a:off x="3745735" y="1237485"/>
+            <a:ext cx="1693028" cy="923330"/>
+          </a:xfrm>
+          <a:prstGeom prst="rect">
+            <a:avLst/>
+          </a:prstGeom>
+          <a:noFill/>
+        </p:spPr>
+        <p:txBody>
+          <a:bodyPr wrap="none" rtlCol="0">
+            <a:spAutoFit/>
+          </a:bodyPr>
+          <a:lstStyle/>
+          <a:p>
+            <a:r>
+              <a:rPr lang="en-US" dirty="0"/>
+              <a:t>z = 1.65 </a:t>
+            </a:r>
+            <a:r>
+              <a:rPr lang="en-US" dirty="0" err="1"/>
+              <a:t>fo</a:t>
+            </a:r>
+            <a:r>
+              <a:rPr lang="en-US" dirty="0"/>
+              <a:t> 90%</a:t>
+            </a:r>
+          </a:p>
+          <a:p>
+            <a:r>
+              <a:rPr lang="en-US" dirty="0"/>
+              <a:t>   = 1.96 for 95%</a:t>
+            </a:r>
+          </a:p>
+          <a:p>
+            <a:r>
+              <a:rPr lang="en-US" dirty="0"/>
+              <a:t>   = 2.58 for 99%</a:t>
+            </a:r>
+          </a:p>
+        </p:txBody>
+      </p:sp>
+      <p:sp>
+        <p:nvSpPr>
+          <p:cNvPr id="8" name="TextBox 7">
+            <a:extLst>
+              <a:ext uri="{FF2B5EF4-FFF2-40B4-BE49-F238E27FC236}">
+                <a16:creationId xmlns:a16="http://schemas.microsoft.com/office/drawing/2014/main" id="{DD7BE569-6142-2F4B-A48F-81F10B4AF50B}"/>
+              </a:ext>
+            </a:extLst>
+          </p:cNvPr>
+          <p:cNvSpPr txBox="1"/>
+          <p:nvPr/>
+        </p:nvSpPr>
+        <p:spPr>
+          <a:xfrm>
+            <a:off x="220338" y="2321413"/>
+            <a:ext cx="10609244" cy="646331"/>
+          </a:xfrm>
+          <a:prstGeom prst="rect">
+            <a:avLst/>
+          </a:prstGeom>
+          <a:noFill/>
+        </p:spPr>
+        <p:txBody>
+          <a:bodyPr wrap="square" rtlCol="0">
+            <a:spAutoFit/>
+          </a:bodyPr>
+          <a:lstStyle/>
+          <a:p>
+            <a:r>
+              <a:rPr lang="en-US" dirty="0"/>
+              <a:t>natural choice for things we go and measure in biological entities and we are interested in what the “true” mean value of the population is </a:t>
+            </a:r>
+          </a:p>
+        </p:txBody>
+      </p:sp>
+      <p:sp>
+        <p:nvSpPr>
+          <p:cNvPr id="9" name="TextBox 8">
+            <a:extLst>
+              <a:ext uri="{FF2B5EF4-FFF2-40B4-BE49-F238E27FC236}">
+                <a16:creationId xmlns:a16="http://schemas.microsoft.com/office/drawing/2014/main" id="{6D40724D-F31F-C84E-9ED0-C5BD18CEB995}"/>
+              </a:ext>
+            </a:extLst>
+          </p:cNvPr>
+          <p:cNvSpPr txBox="1"/>
+          <p:nvPr/>
+        </p:nvSpPr>
+        <p:spPr>
+          <a:xfrm>
+            <a:off x="220338" y="3264657"/>
+            <a:ext cx="10157552" cy="1200329"/>
+          </a:xfrm>
+          <a:prstGeom prst="rect">
+            <a:avLst/>
+          </a:prstGeom>
+          <a:noFill/>
+        </p:spPr>
+        <p:txBody>
+          <a:bodyPr wrap="square" rtlCol="0">
+            <a:spAutoFit/>
+          </a:bodyPr>
+          <a:lstStyle/>
+          <a:p>
+            <a:r>
+              <a:rPr lang="en-US" dirty="0"/>
+              <a:t>Credible intervals are often used in Bayesian approaches. In these methods we often run an MCMC which yields an arbitrarily large number of estimates of our parameter of interest. It is not sensible to talk about the CI of a parameter estimate like this because it can always be narrowed to a point estimate with sufficient sample size.</a:t>
+            </a:r>
+          </a:p>
+        </p:txBody>
+      </p:sp>
+    </p:spTree>
+    <p:extLst>
+      <p:ext uri="{BB962C8B-B14F-4D97-AF65-F5344CB8AC3E}">
+        <p14:creationId xmlns:p14="http://schemas.microsoft.com/office/powerpoint/2010/main" val="3603284608"/>
+      </p:ext>
+    </p:extLst>
+  </p:cSld>
+  <p:clrMapOvr>
+    <a:masterClrMapping/>
+  </p:clrMapOvr>
+</p:sld>
+</file>
+
+<file path=ppt/slides/slide25.xml><?xml version="1.0" encoding="utf-8"?>
+<p:sld xmlns:a="http://schemas.openxmlformats.org/drawingml/2006/main" xmlns:r="http://schemas.openxmlformats.org/officeDocument/2006/relationships" xmlns:p="http://schemas.openxmlformats.org/presentationml/2006/main">
+  <p:cSld>
+    <p:bg>
+      <p:bgPr>
+        <a:solidFill>
+          <a:schemeClr val="bg1">
+            <a:lumMod val="95000"/>
+          </a:schemeClr>
+        </a:solidFill>
+        <a:effectLst/>
+      </p:bgPr>
+    </p:bg>
+    <p:spTree>
+      <p:nvGrpSpPr>
+        <p:cNvPr id="1" name=""/>
+        <p:cNvGrpSpPr/>
+        <p:nvPr/>
+      </p:nvGrpSpPr>
+      <p:grpSpPr>
+        <a:xfrm>
+          <a:off x="0" y="0"/>
+          <a:ext cx="0" cy="0"/>
+          <a:chOff x="0" y="0"/>
+          <a:chExt cx="0" cy="0"/>
+        </a:xfrm>
+      </p:grpSpPr>
+      <p:sp>
+        <p:nvSpPr>
+          <p:cNvPr id="2" name="Title 1"/>
+          <p:cNvSpPr>
+            <a:spLocks noGrp="1"/>
+          </p:cNvSpPr>
+          <p:nvPr>
+            <p:ph type="title"/>
+          </p:nvPr>
+        </p:nvSpPr>
+        <p:spPr>
+          <a:xfrm>
+            <a:off x="0" y="0"/>
+            <a:ext cx="12192000" cy="935915"/>
+          </a:xfrm>
+          <a:solidFill>
+            <a:schemeClr val="tx1"/>
+          </a:solidFill>
+        </p:spPr>
+        <p:txBody>
+          <a:bodyPr>
+            <a:normAutofit/>
+          </a:bodyPr>
+          <a:lstStyle/>
+          <a:p>
+            <a:pPr algn="ctr"/>
+            <a:r>
+              <a:rPr lang="en-US" b="1" dirty="0">
+                <a:solidFill>
+                  <a:schemeClr val="bg1"/>
+                </a:solidFill>
+              </a:rPr>
+              <a:t>Confidence Interval vs Credible Interval</a:t>
+            </a:r>
+          </a:p>
+        </p:txBody>
+      </p:sp>
+      <p:pic>
+        <p:nvPicPr>
+          <p:cNvPr id="13" name="Picture 12">
+            <a:extLst>
+              <a:ext uri="{FF2B5EF4-FFF2-40B4-BE49-F238E27FC236}">
+                <a16:creationId xmlns:a16="http://schemas.microsoft.com/office/drawing/2014/main" id="{4B939C4A-6553-1B4A-B683-64C5630CCA8C}"/>
+              </a:ext>
+            </a:extLst>
+          </p:cNvPr>
+          <p:cNvPicPr>
+            <a:picLocks noChangeAspect="1"/>
+          </p:cNvPicPr>
+          <p:nvPr/>
+        </p:nvPicPr>
+        <p:blipFill>
+          <a:blip r:embed="rId2"/>
+          <a:stretch>
+            <a:fillRect/>
+          </a:stretch>
+        </p:blipFill>
+        <p:spPr>
+          <a:xfrm>
+            <a:off x="4655859" y="1441832"/>
+            <a:ext cx="4094194" cy="3233450"/>
+          </a:xfrm>
+          <a:prstGeom prst="rect">
+            <a:avLst/>
+          </a:prstGeom>
+        </p:spPr>
+      </p:pic>
+      <p:sp>
+        <p:nvSpPr>
+          <p:cNvPr id="3" name="TextBox 2">
+            <a:extLst>
+              <a:ext uri="{FF2B5EF4-FFF2-40B4-BE49-F238E27FC236}">
+                <a16:creationId xmlns:a16="http://schemas.microsoft.com/office/drawing/2014/main" id="{9C7CDEB1-F035-CB48-B60E-52095AFECFA4}"/>
+              </a:ext>
+            </a:extLst>
+          </p:cNvPr>
+          <p:cNvSpPr txBox="1"/>
+          <p:nvPr/>
+        </p:nvSpPr>
+        <p:spPr>
+          <a:xfrm>
+            <a:off x="8945697" y="2368114"/>
+            <a:ext cx="2753382" cy="1477328"/>
+          </a:xfrm>
+          <a:prstGeom prst="rect">
+            <a:avLst/>
+          </a:prstGeom>
+          <a:noFill/>
+        </p:spPr>
+        <p:txBody>
+          <a:bodyPr wrap="none" rtlCol="0">
+            <a:spAutoFit/>
+          </a:bodyPr>
+          <a:lstStyle/>
+          <a:p>
+            <a:r>
+              <a:rPr lang="en-US" dirty="0"/>
+              <a:t>Frequentist 95% CI</a:t>
+            </a:r>
+          </a:p>
+          <a:p>
+            <a:r>
+              <a:rPr lang="en-US" dirty="0"/>
+              <a:t>0.149-0.150</a:t>
+            </a:r>
+          </a:p>
+          <a:p>
+            <a:endParaRPr lang="en-US" dirty="0"/>
+          </a:p>
+          <a:p>
+            <a:r>
+              <a:rPr lang="en-US" dirty="0"/>
+              <a:t>95% HPD (credible interval)</a:t>
+            </a:r>
+          </a:p>
+          <a:p>
+            <a:r>
+              <a:rPr lang="en-US" dirty="0"/>
+              <a:t>0.06-0.26</a:t>
+            </a:r>
+          </a:p>
+        </p:txBody>
+      </p:sp>
+      <p:grpSp>
+        <p:nvGrpSpPr>
+          <p:cNvPr id="4" name="Group 3">
+            <a:extLst>
+              <a:ext uri="{FF2B5EF4-FFF2-40B4-BE49-F238E27FC236}">
+                <a16:creationId xmlns:a16="http://schemas.microsoft.com/office/drawing/2014/main" id="{9BD1551E-AC62-FF41-AD84-FEA344EF698B}"/>
+              </a:ext>
+            </a:extLst>
+          </p:cNvPr>
+          <p:cNvGrpSpPr/>
+          <p:nvPr/>
+        </p:nvGrpSpPr>
+        <p:grpSpPr>
+          <a:xfrm>
+            <a:off x="222152" y="1478981"/>
+            <a:ext cx="4212859" cy="3658232"/>
+            <a:chOff x="222152" y="1478981"/>
+            <a:chExt cx="4212859" cy="3658232"/>
+          </a:xfrm>
+        </p:grpSpPr>
+        <p:pic>
+          <p:nvPicPr>
+            <p:cNvPr id="10" name="Picture 9">
+              <a:extLst>
+                <a:ext uri="{FF2B5EF4-FFF2-40B4-BE49-F238E27FC236}">
+                  <a16:creationId xmlns:a16="http://schemas.microsoft.com/office/drawing/2014/main" id="{25752B8F-C7EE-4846-A487-0110B171D074}"/>
+                </a:ext>
+              </a:extLst>
+            </p:cNvPr>
+            <p:cNvPicPr>
+              <a:picLocks noChangeAspect="1"/>
+            </p:cNvPicPr>
+            <p:nvPr/>
+          </p:nvPicPr>
+          <p:blipFill>
+            <a:blip r:embed="rId3"/>
+            <a:stretch>
+              <a:fillRect/>
+            </a:stretch>
+          </p:blipFill>
+          <p:spPr>
+            <a:xfrm>
+              <a:off x="310170" y="3170893"/>
+              <a:ext cx="4099637" cy="1504389"/>
+            </a:xfrm>
+            <a:prstGeom prst="rect">
+              <a:avLst/>
+            </a:prstGeom>
+          </p:spPr>
+        </p:pic>
+        <p:sp>
+          <p:nvSpPr>
+            <p:cNvPr id="11" name="TextBox 10">
+              <a:extLst>
+                <a:ext uri="{FF2B5EF4-FFF2-40B4-BE49-F238E27FC236}">
+                  <a16:creationId xmlns:a16="http://schemas.microsoft.com/office/drawing/2014/main" id="{505EEBF6-6F50-D442-A31D-7CC3E26BD10A}"/>
+                </a:ext>
+              </a:extLst>
+            </p:cNvPr>
+            <p:cNvSpPr txBox="1"/>
+            <p:nvPr/>
+          </p:nvSpPr>
+          <p:spPr>
+            <a:xfrm>
+              <a:off x="310170" y="4767881"/>
+              <a:ext cx="1330557" cy="369332"/>
+            </a:xfrm>
+            <a:prstGeom prst="rect">
+              <a:avLst/>
+            </a:prstGeom>
+            <a:noFill/>
+          </p:spPr>
+          <p:txBody>
+            <a:bodyPr wrap="none" rtlCol="0">
+              <a:spAutoFit/>
+            </a:bodyPr>
+            <a:lstStyle/>
+            <a:p>
+              <a:r>
+                <a:rPr lang="en-US" dirty="0"/>
+                <a:t>10,000 rows</a:t>
+              </a:r>
+            </a:p>
+          </p:txBody>
+        </p:sp>
+        <p:pic>
+          <p:nvPicPr>
+            <p:cNvPr id="12" name="Picture 11">
+              <a:extLst>
+                <a:ext uri="{FF2B5EF4-FFF2-40B4-BE49-F238E27FC236}">
+                  <a16:creationId xmlns:a16="http://schemas.microsoft.com/office/drawing/2014/main" id="{C83EC3D0-62A7-2A40-AF69-D90F25D88E47}"/>
+                </a:ext>
+              </a:extLst>
+            </p:cNvPr>
+            <p:cNvPicPr>
+              <a:picLocks noChangeAspect="1"/>
+            </p:cNvPicPr>
+            <p:nvPr/>
+          </p:nvPicPr>
+          <p:blipFill>
+            <a:blip r:embed="rId4"/>
+            <a:stretch>
+              <a:fillRect/>
+            </a:stretch>
+          </p:blipFill>
+          <p:spPr>
+            <a:xfrm>
+              <a:off x="222152" y="1478981"/>
+              <a:ext cx="4212859" cy="1220152"/>
+            </a:xfrm>
+            <a:prstGeom prst="rect">
+              <a:avLst/>
+            </a:prstGeom>
+            <a:ln w="28575">
+              <a:solidFill>
+                <a:schemeClr val="tx1"/>
+              </a:solidFill>
+            </a:ln>
+          </p:spPr>
+        </p:pic>
+      </p:grpSp>
+    </p:spTree>
+    <p:extLst>
+      <p:ext uri="{BB962C8B-B14F-4D97-AF65-F5344CB8AC3E}">
+        <p14:creationId xmlns:p14="http://schemas.microsoft.com/office/powerpoint/2010/main" val="2608107265"/>
+      </p:ext>
+    </p:extLst>
+  </p:cSld>
+  <p:clrMapOvr>
+    <a:masterClrMapping/>
+  </p:clrMapOvr>
+  <p:timing>
+    <p:tnLst>
+      <p:par>
+        <p:cTn id="1" dur="indefinite" restart="never" nodeType="tmRoot">
+          <p:childTnLst>
+            <p:seq concurrent="1" nextAc="seek">
+              <p:cTn id="2" dur="indefinite" nodeType="mainSeq">
+                <p:childTnLst>
+                  <p:par>
+                    <p:cTn id="3" fill="hold">
+                      <p:stCondLst>
+                        <p:cond delay="indefinite"/>
+                      </p:stCondLst>
+                      <p:childTnLst>
+                        <p:par>
+                          <p:cTn id="4" fill="hold">
+                            <p:stCondLst>
+                              <p:cond delay="0"/>
+                            </p:stCondLst>
+                            <p:childTnLst>
+                              <p:par>
+                                <p:cTn id="5" presetID="1" presetClass="entr" presetSubtype="0" fill="hold" nodeType="clickEffect">
+                                  <p:stCondLst>
+                                    <p:cond delay="0"/>
+                                  </p:stCondLst>
+                                  <p:childTnLst>
+                                    <p:set>
+                                      <p:cBhvr>
+                                        <p:cTn id="6" dur="1" fill="hold">
+                                          <p:stCondLst>
+                                            <p:cond delay="0"/>
+                                          </p:stCondLst>
+                                        </p:cTn>
+                                        <p:tgtEl>
+                                          <p:spTgt spid="4"/>
+                                        </p:tgtEl>
+                                        <p:attrNameLst>
+                                          <p:attrName>style.visibility</p:attrName>
+                                        </p:attrNameLst>
+                                      </p:cBhvr>
+                                      <p:to>
+                                        <p:strVal val="visible"/>
+                                      </p:to>
+                                    </p:set>
+                                  </p:childTnLst>
+                                </p:cTn>
+                              </p:par>
+                            </p:childTnLst>
+                          </p:cTn>
+                        </p:par>
+                      </p:childTnLst>
+                    </p:cTn>
+                  </p:par>
+                  <p:par>
+                    <p:cTn id="7" fill="hold">
+                      <p:stCondLst>
+                        <p:cond delay="indefinite"/>
+                      </p:stCondLst>
+                      <p:childTnLst>
+                        <p:par>
+                          <p:cTn id="8" fill="hold">
+                            <p:stCondLst>
+                              <p:cond delay="0"/>
+                            </p:stCondLst>
+                            <p:childTnLst>
+                              <p:par>
+                                <p:cTn id="9" presetID="1" presetClass="entr" presetSubtype="0" fill="hold" nodeType="clickEffect">
+                                  <p:stCondLst>
+                                    <p:cond delay="0"/>
+                                  </p:stCondLst>
+                                  <p:childTnLst>
+                                    <p:set>
+                                      <p:cBhvr>
+                                        <p:cTn id="10" dur="1" fill="hold">
+                                          <p:stCondLst>
+                                            <p:cond delay="0"/>
+                                          </p:stCondLst>
+                                        </p:cTn>
+                                        <p:tgtEl>
+                                          <p:spTgt spid="13"/>
+                                        </p:tgtEl>
+                                        <p:attrNameLst>
+                                          <p:attrName>style.visibility</p:attrName>
+                                        </p:attrNameLst>
+                                      </p:cBhvr>
+                                      <p:to>
+                                        <p:strVal val="visible"/>
+                                      </p:to>
+                                    </p:set>
+                                  </p:childTnLst>
+                                </p:cTn>
+                              </p:par>
+                            </p:childTnLst>
+                          </p:cTn>
+                        </p:par>
+                      </p:childTnLst>
+                    </p:cTn>
+                  </p:par>
+                  <p:par>
+                    <p:cTn id="11" fill="hold">
+                      <p:stCondLst>
+                        <p:cond delay="indefinite"/>
+                      </p:stCondLst>
+                      <p:childTnLst>
+                        <p:par>
+                          <p:cTn id="12" fill="hold">
+                            <p:stCondLst>
+                              <p:cond delay="0"/>
+                            </p:stCondLst>
+                            <p:childTnLst>
+                              <p:par>
+                                <p:cTn id="13" presetID="1" presetClass="entr" presetSubtype="0" fill="hold" nodeType="clickEffect">
+                                  <p:stCondLst>
+                                    <p:cond delay="0"/>
+                                  </p:stCondLst>
+                                  <p:childTnLst>
+                                    <p:set>
+                                      <p:cBhvr>
+                                        <p:cTn id="14" dur="1" fill="hold">
+                                          <p:stCondLst>
+                                            <p:cond delay="0"/>
+                                          </p:stCondLst>
+                                        </p:cTn>
+                                        <p:tgtEl>
+                                          <p:spTgt spid="3">
+                                            <p:txEl>
+                                              <p:pRg st="0" end="0"/>
+                                            </p:txEl>
+                                          </p:spTgt>
+                                        </p:tgtEl>
+                                        <p:attrNameLst>
+                                          <p:attrName>style.visibility</p:attrName>
+                                        </p:attrNameLst>
+                                      </p:cBhvr>
+                                      <p:to>
+                                        <p:strVal val="visible"/>
+                                      </p:to>
+                                    </p:set>
+                                  </p:childTnLst>
+                                </p:cTn>
+                              </p:par>
+                              <p:par>
+                                <p:cTn id="15" presetID="1" presetClass="entr" presetSubtype="0" fill="hold" nodeType="withEffect">
+                                  <p:stCondLst>
+                                    <p:cond delay="0"/>
+                                  </p:stCondLst>
+                                  <p:childTnLst>
+                                    <p:set>
+                                      <p:cBhvr>
+                                        <p:cTn id="16" dur="1" fill="hold">
+                                          <p:stCondLst>
+                                            <p:cond delay="0"/>
+                                          </p:stCondLst>
+                                        </p:cTn>
+                                        <p:tgtEl>
+                                          <p:spTgt spid="3">
+                                            <p:txEl>
+                                              <p:pRg st="1" end="1"/>
+                                            </p:txEl>
+                                          </p:spTgt>
+                                        </p:tgtEl>
+                                        <p:attrNameLst>
+                                          <p:attrName>style.visibility</p:attrName>
+                                        </p:attrNameLst>
+                                      </p:cBhvr>
+                                      <p:to>
+                                        <p:strVal val="visible"/>
+                                      </p:to>
+                                    </p:set>
+                                  </p:childTnLst>
+                                </p:cTn>
+                              </p:par>
+                            </p:childTnLst>
+                          </p:cTn>
+                        </p:par>
+                      </p:childTnLst>
+                    </p:cTn>
+                  </p:par>
+                  <p:par>
+                    <p:cTn id="17" fill="hold">
+                      <p:stCondLst>
+                        <p:cond delay="indefinite"/>
+                      </p:stCondLst>
+                      <p:childTnLst>
+                        <p:par>
+                          <p:cTn id="18" fill="hold">
+                            <p:stCondLst>
+                              <p:cond delay="0"/>
+                            </p:stCondLst>
+                            <p:childTnLst>
+                              <p:par>
+                                <p:cTn id="19" presetID="1" presetClass="entr" presetSubtype="0" fill="hold" nodeType="clickEffect">
+                                  <p:stCondLst>
+                                    <p:cond delay="0"/>
+                                  </p:stCondLst>
+                                  <p:childTnLst>
+                                    <p:set>
+                                      <p:cBhvr>
+                                        <p:cTn id="20" dur="1" fill="hold">
+                                          <p:stCondLst>
+                                            <p:cond delay="0"/>
+                                          </p:stCondLst>
+                                        </p:cTn>
+                                        <p:tgtEl>
+                                          <p:spTgt spid="3">
+                                            <p:txEl>
+                                              <p:pRg st="3" end="3"/>
+                                            </p:txEl>
+                                          </p:spTgt>
+                                        </p:tgtEl>
+                                        <p:attrNameLst>
+                                          <p:attrName>style.visibility</p:attrName>
+                                        </p:attrNameLst>
+                                      </p:cBhvr>
+                                      <p:to>
+                                        <p:strVal val="visible"/>
+                                      </p:to>
+                                    </p:set>
+                                  </p:childTnLst>
+                                </p:cTn>
+                              </p:par>
+                              <p:par>
+                                <p:cTn id="21" presetID="1" presetClass="entr" presetSubtype="0" fill="hold" nodeType="withEffect">
+                                  <p:stCondLst>
+                                    <p:cond delay="0"/>
+                                  </p:stCondLst>
+                                  <p:childTnLst>
+                                    <p:set>
+                                      <p:cBhvr>
+                                        <p:cTn id="22" dur="1" fill="hold">
+                                          <p:stCondLst>
+                                            <p:cond delay="0"/>
+                                          </p:stCondLst>
+                                        </p:cTn>
+                                        <p:tgtEl>
+                                          <p:spTgt spid="3">
+                                            <p:txEl>
+                                              <p:pRg st="4" end="4"/>
+                                            </p:txEl>
+                                          </p:spTgt>
+                                        </p:tgtEl>
+                                        <p:attrNameLst>
+                                          <p:attrName>style.visibility</p:attrName>
+                                        </p:attrNameLst>
+                                      </p:cBhvr>
+                                      <p:to>
+                                        <p:strVal val="visible"/>
+                                      </p:to>
+                                    </p:set>
+                                  </p:childTnLst>
+                                </p:cTn>
+                              </p:par>
+                            </p:childTnLst>
+                          </p:cTn>
+                        </p:par>
+                      </p:childTnLst>
+                    </p:cTn>
+                  </p:par>
+                </p:childTnLst>
+              </p:cTn>
+              <p:prevCondLst>
+                <p:cond evt="onPrev" delay="0">
+                  <p:tgtEl>
+                    <p:sldTgt/>
+                  </p:tgtEl>
+                </p:cond>
+              </p:prevCondLst>
+              <p:nextCondLst>
+                <p:cond evt="onNext" delay="0">
+                  <p:tgtEl>
+                    <p:sldTgt/>
+                  </p:tgtEl>
+                </p:cond>
+              </p:nextCondLst>
+            </p:seq>
+          </p:childTnLst>
+        </p:cTn>
+      </p:par>
+    </p:tnLst>
+  </p:timing>
+</p:sld>
+</file>
+
+<file path=ppt/slides/slide26.xml><?xml version="1.0" encoding="utf-8"?>
+<p:sld xmlns:a="http://schemas.openxmlformats.org/drawingml/2006/main" xmlns:r="http://schemas.openxmlformats.org/officeDocument/2006/relationships" xmlns:p="http://schemas.openxmlformats.org/presentationml/2006/main">
+  <p:cSld>
+    <p:bg>
+      <p:bgPr>
+        <a:solidFill>
+          <a:schemeClr val="bg1">
+            <a:lumMod val="95000"/>
+          </a:schemeClr>
+        </a:solidFill>
+        <a:effectLst/>
+      </p:bgPr>
+    </p:bg>
+    <p:spTree>
+      <p:nvGrpSpPr>
+        <p:cNvPr id="1" name=""/>
+        <p:cNvGrpSpPr/>
+        <p:nvPr/>
+      </p:nvGrpSpPr>
+      <p:grpSpPr>
+        <a:xfrm>
+          <a:off x="0" y="0"/>
+          <a:ext cx="0" cy="0"/>
+          <a:chOff x="0" y="0"/>
+          <a:chExt cx="0" cy="0"/>
+        </a:xfrm>
+      </p:grpSpPr>
+      <p:sp>
+        <p:nvSpPr>
+          <p:cNvPr id="2" name="Title 1"/>
+          <p:cNvSpPr>
+            <a:spLocks noGrp="1"/>
+          </p:cNvSpPr>
+          <p:nvPr>
+            <p:ph type="title"/>
+          </p:nvPr>
+        </p:nvSpPr>
+        <p:spPr>
+          <a:xfrm>
+            <a:off x="0" y="0"/>
+            <a:ext cx="12192000" cy="935915"/>
+          </a:xfrm>
+          <a:solidFill>
+            <a:schemeClr val="tx1"/>
+          </a:solidFill>
+        </p:spPr>
+        <p:txBody>
+          <a:bodyPr>
+            <a:normAutofit/>
+          </a:bodyPr>
+          <a:lstStyle/>
+          <a:p>
+            <a:pPr algn="ctr"/>
+            <a:r>
+              <a:rPr lang="en-US" b="1" dirty="0">
+                <a:solidFill>
+                  <a:schemeClr val="bg1"/>
+                </a:solidFill>
+              </a:rPr>
               <a:t>Error bars</a:t>
             </a:r>
           </a:p>
@@ -7948,7 +8746,7 @@
 </p:sld>
 </file>
 
-<file path=ppt/slides/slide25.xml><?xml version="1.0" encoding="utf-8"?>
+<file path=ppt/slides/slide27.xml><?xml version="1.0" encoding="utf-8"?>
 <p:sld xmlns:a="http://schemas.openxmlformats.org/drawingml/2006/main" xmlns:r="http://schemas.openxmlformats.org/officeDocument/2006/relationships" xmlns:p="http://schemas.openxmlformats.org/presentationml/2006/main">
   <p:cSld>
     <p:spTree>
@@ -8107,7 +8905,7 @@
 </p:sld>
 </file>
 
-<file path=ppt/slides/slide26.xml><?xml version="1.0" encoding="utf-8"?>
+<file path=ppt/slides/slide28.xml><?xml version="1.0" encoding="utf-8"?>
 <p:sld xmlns:a="http://schemas.openxmlformats.org/drawingml/2006/main" xmlns:r="http://schemas.openxmlformats.org/officeDocument/2006/relationships" xmlns:p="http://schemas.openxmlformats.org/presentationml/2006/main">
   <p:cSld>
     <p:spTree>

--- a/teaching/expdes/lectures/week3.pptx
+++ b/teaching/expdes/lectures/week3.pptx
@@ -224,7 +224,7 @@
           <a:p>
             <a:fld id="{4F19B4D1-0A28-FA4A-9134-5F79B138F3AC}" type="datetimeFigureOut">
               <a:rPr lang="en-US" smtClean="0"/>
-              <a:t>1/13/21</a:t>
+              <a:t>8/3/22</a:t>
             </a:fld>
             <a:endParaRPr lang="en-US"/>
           </a:p>
@@ -620,7 +620,7 @@
           <a:p>
             <a:fld id="{2B908699-CE29-634D-83B5-1061B2BD35A6}" type="datetimeFigureOut">
               <a:rPr lang="en-US" smtClean="0"/>
-              <a:t>1/13/21</a:t>
+              <a:t>8/3/22</a:t>
             </a:fld>
             <a:endParaRPr lang="en-US" dirty="0"/>
           </a:p>
@@ -788,7 +788,7 @@
           <a:p>
             <a:fld id="{2B908699-CE29-634D-83B5-1061B2BD35A6}" type="datetimeFigureOut">
               <a:rPr lang="en-US" smtClean="0"/>
-              <a:t>1/13/21</a:t>
+              <a:t>8/3/22</a:t>
             </a:fld>
             <a:endParaRPr lang="en-US" dirty="0"/>
           </a:p>
@@ -966,7 +966,7 @@
           <a:p>
             <a:fld id="{2B908699-CE29-634D-83B5-1061B2BD35A6}" type="datetimeFigureOut">
               <a:rPr lang="en-US" smtClean="0"/>
-              <a:t>1/13/21</a:t>
+              <a:t>8/3/22</a:t>
             </a:fld>
             <a:endParaRPr lang="en-US" dirty="0"/>
           </a:p>
@@ -1134,7 +1134,7 @@
           <a:p>
             <a:fld id="{2B908699-CE29-634D-83B5-1061B2BD35A6}" type="datetimeFigureOut">
               <a:rPr lang="en-US" smtClean="0"/>
-              <a:t>1/13/21</a:t>
+              <a:t>8/3/22</a:t>
             </a:fld>
             <a:endParaRPr lang="en-US" dirty="0"/>
           </a:p>
@@ -1379,7 +1379,7 @@
           <a:p>
             <a:fld id="{2B908699-CE29-634D-83B5-1061B2BD35A6}" type="datetimeFigureOut">
               <a:rPr lang="en-US" smtClean="0"/>
-              <a:t>1/13/21</a:t>
+              <a:t>8/3/22</a:t>
             </a:fld>
             <a:endParaRPr lang="en-US" dirty="0"/>
           </a:p>
@@ -1608,7 +1608,7 @@
           <a:p>
             <a:fld id="{2B908699-CE29-634D-83B5-1061B2BD35A6}" type="datetimeFigureOut">
               <a:rPr lang="en-US" smtClean="0"/>
-              <a:t>1/13/21</a:t>
+              <a:t>8/3/22</a:t>
             </a:fld>
             <a:endParaRPr lang="en-US" dirty="0"/>
           </a:p>
@@ -1972,7 +1972,7 @@
           <a:p>
             <a:fld id="{2B908699-CE29-634D-83B5-1061B2BD35A6}" type="datetimeFigureOut">
               <a:rPr lang="en-US" smtClean="0"/>
-              <a:t>1/13/21</a:t>
+              <a:t>8/3/22</a:t>
             </a:fld>
             <a:endParaRPr lang="en-US" dirty="0"/>
           </a:p>
@@ -2089,7 +2089,7 @@
           <a:p>
             <a:fld id="{2B908699-CE29-634D-83B5-1061B2BD35A6}" type="datetimeFigureOut">
               <a:rPr lang="en-US" smtClean="0"/>
-              <a:t>1/13/21</a:t>
+              <a:t>8/3/22</a:t>
             </a:fld>
             <a:endParaRPr lang="en-US" dirty="0"/>
           </a:p>
@@ -2184,7 +2184,7 @@
           <a:p>
             <a:fld id="{2B908699-CE29-634D-83B5-1061B2BD35A6}" type="datetimeFigureOut">
               <a:rPr lang="en-US" smtClean="0"/>
-              <a:t>1/13/21</a:t>
+              <a:t>8/3/22</a:t>
             </a:fld>
             <a:endParaRPr lang="en-US" dirty="0"/>
           </a:p>
@@ -2459,7 +2459,7 @@
           <a:p>
             <a:fld id="{2B908699-CE29-634D-83B5-1061B2BD35A6}" type="datetimeFigureOut">
               <a:rPr lang="en-US" smtClean="0"/>
-              <a:t>1/13/21</a:t>
+              <a:t>8/3/22</a:t>
             </a:fld>
             <a:endParaRPr lang="en-US" dirty="0"/>
           </a:p>
@@ -2711,7 +2711,7 @@
           <a:p>
             <a:fld id="{2B908699-CE29-634D-83B5-1061B2BD35A6}" type="datetimeFigureOut">
               <a:rPr lang="en-US" smtClean="0"/>
-              <a:t>1/13/21</a:t>
+              <a:t>8/3/22</a:t>
             </a:fld>
             <a:endParaRPr lang="en-US" dirty="0"/>
           </a:p>
@@ -2922,7 +2922,7 @@
           <a:p>
             <a:fld id="{2B908699-CE29-634D-83B5-1061B2BD35A6}" type="datetimeFigureOut">
               <a:rPr lang="en-US" smtClean="0"/>
-              <a:t>1/13/21</a:t>
+              <a:t>8/3/22</a:t>
             </a:fld>
             <a:endParaRPr lang="en-US" dirty="0"/>
           </a:p>
@@ -10500,9 +10500,15 @@
       </p:sp>
       <p:pic>
         <p:nvPicPr>
-          <p:cNvPr id="17" name="Picture 16"/>
+          <p:cNvPr id="1026" name="Picture 2" descr="Precision and accuracy in glacial geology - AntarcticGlaciers.org">
+            <a:extLst>
+              <a:ext uri="{FF2B5EF4-FFF2-40B4-BE49-F238E27FC236}">
+                <a16:creationId xmlns:a16="http://schemas.microsoft.com/office/drawing/2014/main" id="{403E7578-E827-CD71-1D2D-85FCEE34365B}"/>
+              </a:ext>
+            </a:extLst>
+          </p:cNvPr>
           <p:cNvPicPr>
-            <a:picLocks noChangeAspect="1"/>
+            <a:picLocks noChangeAspect="1" noChangeArrowheads="1"/>
           </p:cNvPicPr>
           <p:nvPr/>
         </p:nvPicPr>
@@ -10514,78 +10520,31 @@
               </a:ext>
             </a:extLst>
           </a:blip>
+          <a:srcRect/>
           <a:stretch>
             <a:fillRect/>
           </a:stretch>
         </p:blipFill>
-        <p:spPr>
+        <p:spPr bwMode="auto">
           <a:xfrm>
-            <a:off x="89596" y="1003300"/>
-            <a:ext cx="6413500" cy="5854700"/>
+            <a:off x="1804581" y="1038931"/>
+            <a:ext cx="8582837" cy="5734280"/>
           </a:xfrm>
           <a:prstGeom prst="rect">
             <a:avLst/>
           </a:prstGeom>
+          <a:noFill/>
+          <a:extLst>
+            <a:ext uri="{909E8E84-426E-40DD-AFC4-6F175D3DCCD1}">
+              <a14:hiddenFill xmlns:a14="http://schemas.microsoft.com/office/drawing/2010/main">
+                <a:solidFill>
+                  <a:srgbClr val="FFFFFF"/>
+                </a:solidFill>
+              </a14:hiddenFill>
+            </a:ext>
+          </a:extLst>
         </p:spPr>
       </p:pic>
-      <p:sp>
-        <p:nvSpPr>
-          <p:cNvPr id="18" name="Rectangle 17"/>
-          <p:cNvSpPr/>
-          <p:nvPr/>
-        </p:nvSpPr>
-        <p:spPr>
-          <a:xfrm>
-            <a:off x="6707687" y="1226218"/>
-            <a:ext cx="5484313" cy="2554545"/>
-          </a:xfrm>
-          <a:prstGeom prst="rect">
-            <a:avLst/>
-          </a:prstGeom>
-        </p:spPr>
-        <p:txBody>
-          <a:bodyPr wrap="square">
-            <a:spAutoFit/>
-          </a:bodyPr>
-          <a:lstStyle/>
-          <a:p>
-            <a:pPr fontAlgn="base">
-              <a:buFont typeface="Arial" charset="0"/>
-              <a:buChar char="•"/>
-            </a:pPr>
-            <a:r>
-              <a:rPr lang="en-US" sz="3200" dirty="0">
-                <a:latin typeface="inherit" charset="0"/>
-              </a:rPr>
-              <a:t>Precision is a measure of spread</a:t>
-            </a:r>
-            <a:br>
-              <a:rPr lang="en-US" sz="3200" dirty="0">
-                <a:latin typeface="inherit" charset="0"/>
-              </a:rPr>
-            </a:br>
-            <a:endParaRPr lang="en-US" sz="3200" dirty="0">
-              <a:latin typeface="inherit" charset="0"/>
-            </a:endParaRPr>
-          </a:p>
-          <a:p>
-            <a:pPr fontAlgn="base">
-              <a:buFont typeface="Arial" charset="0"/>
-              <a:buChar char="•"/>
-            </a:pPr>
-            <a:r>
-              <a:rPr lang="en-US" sz="3200" dirty="0">
-                <a:latin typeface="inherit" charset="0"/>
-              </a:rPr>
-              <a:t>Accuracy is a measure of bias</a:t>
-            </a:r>
-            <a:endParaRPr lang="en-US" sz="3200" b="0" i="0" dirty="0">
-              <a:effectLst/>
-              <a:latin typeface="inherit" charset="0"/>
-            </a:endParaRPr>
-          </a:p>
-        </p:txBody>
-      </p:sp>
     </p:spTree>
     <p:extLst>
       <p:ext uri="{BB962C8B-B14F-4D97-AF65-F5344CB8AC3E}">
